--- a/SQL1/Martes/DQL.pptx
+++ b/SQL1/Martes/DQL.pptx
@@ -5,34 +5,38 @@
     <p:sldMasterId id="2147483648" r:id="rId1"/>
   </p:sldMasterIdLst>
   <p:notesMasterIdLst>
-    <p:notesMasterId r:id="rId6"/>
+    <p:notesMasterId r:id="rId10"/>
   </p:notesMasterIdLst>
   <p:sldIdLst>
     <p:sldId id="256" r:id="rId2"/>
     <p:sldId id="257" r:id="rId3"/>
     <p:sldId id="259" r:id="rId4"/>
     <p:sldId id="258" r:id="rId5"/>
+    <p:sldId id="261" r:id="rId6"/>
+    <p:sldId id="260" r:id="rId7"/>
+    <p:sldId id="262" r:id="rId8"/>
+    <p:sldId id="263" r:id="rId9"/>
   </p:sldIdLst>
   <p:sldSz cx="9144000" cy="6858000" type="screen4x3"/>
   <p:notesSz cx="6858000" cy="9144000"/>
   <p:embeddedFontLst>
     <p:embeddedFont>
       <p:font typeface="Baumans" panose="020B0604020202020204" charset="0"/>
-      <p:regular r:id="rId7"/>
+      <p:regular r:id="rId11"/>
     </p:embeddedFont>
     <p:embeddedFont>
       <p:font typeface="Calibri" panose="020F0502020204030204" pitchFamily="34" charset="0"/>
-      <p:regular r:id="rId8"/>
-      <p:bold r:id="rId9"/>
-      <p:italic r:id="rId10"/>
-      <p:boldItalic r:id="rId11"/>
-    </p:embeddedFont>
-    <p:embeddedFont>
-      <p:font typeface="Century Gothic" panose="020B0502020202020204" pitchFamily="34" charset="0"/>
       <p:regular r:id="rId12"/>
       <p:bold r:id="rId13"/>
       <p:italic r:id="rId14"/>
       <p:boldItalic r:id="rId15"/>
+    </p:embeddedFont>
+    <p:embeddedFont>
+      <p:font typeface="Century Gothic" panose="020B0502020202020204" pitchFamily="34" charset="0"/>
+      <p:regular r:id="rId16"/>
+      <p:bold r:id="rId17"/>
+      <p:italic r:id="rId18"/>
+      <p:boldItalic r:id="rId19"/>
     </p:embeddedFont>
   </p:embeddedFontLst>
   <p:defaultTextStyle>
@@ -265,8 +269,11 @@
     </a:lvl9pPr>
   </p:defaultTextStyle>
   <p:extLst>
+    <p:ext uri="{EFAFB233-063F-42B5-8137-9DF3F51BA10A}">
+      <p15:sldGuideLst xmlns:p15="http://schemas.microsoft.com/office/powerpoint/2012/main"/>
+    </p:ext>
     <p:ext uri="http://customooxmlschemas.google.com/">
-      <go:slidesCustomData xmlns:go="http://customooxmlschemas.google.com/" xmlns:p15="http://schemas.microsoft.com/office/powerpoint/2012/main" xmlns:p14="http://schemas.microsoft.com/office/powerpoint/2010/main" xmlns:com="http://schemas.openxmlformats.org/drawingml/2006/compatibility" xmlns:pvml="urn:schemas-microsoft-com:office:powerpoint" xmlns:v="urn:schemas-microsoft-com:vml" xmlns:o="urn:schemas-microsoft-com:office:office" xmlns:dgm="http://schemas.openxmlformats.org/drawingml/2006/diagram" xmlns:c="http://schemas.openxmlformats.org/drawingml/2006/chart" xmlns:mv="urn:schemas-microsoft-com:mac:vml" xmlns:mc="http://schemas.openxmlformats.org/markup-compatibility/2006" xmlns="" r:id="rId49" roundtripDataSignature="AMtx7mh1CA1liuvDsx/ML5yDPMUT3Od8TQ=="/>
+      <go:slidesCustomData xmlns="" xmlns:mc="http://schemas.openxmlformats.org/markup-compatibility/2006" xmlns:mv="urn:schemas-microsoft-com:mac:vml" xmlns:c="http://schemas.openxmlformats.org/drawingml/2006/chart" xmlns:dgm="http://schemas.openxmlformats.org/drawingml/2006/diagram" xmlns:o="urn:schemas-microsoft-com:office:office" xmlns:v="urn:schemas-microsoft-com:vml" xmlns:pvml="urn:schemas-microsoft-com:office:powerpoint" xmlns:com="http://schemas.openxmlformats.org/drawingml/2006/compatibility" xmlns:p14="http://schemas.microsoft.com/office/powerpoint/2010/main" xmlns:p15="http://schemas.microsoft.com/office/powerpoint/2012/main" xmlns:go="http://customooxmlschemas.google.com/" r:id="rId49" roundtripDataSignature="AMtx7mh1CA1liuvDsx/ML5yDPMUT3Od8TQ=="/>
     </p:ext>
   </p:extLst>
 </p:presentation>
@@ -9491,36 +9498,815 @@
             </a:pPr>
             <a:r>
               <a:rPr lang="es-MX" dirty="0"/>
-              <a:t>Utilizando instrucciones de SQL, permite a los usuarios </a:t>
+              <a:t>Es un lenguaje formal integrado principalmente por una serie de operadores unarios y binarios que se aplican sobre una o varias relaciones.</a:t>
+            </a:r>
+          </a:p>
+          <a:p>
+            <a:pPr marL="0" lvl="0" indent="0" algn="l" rtl="0">
+              <a:spcBef>
+                <a:spcPts val="750"/>
+              </a:spcBef>
+              <a:spcAft>
+                <a:spcPts val="0"/>
+              </a:spcAft>
+              <a:buNone/>
+            </a:pPr>
+            <a:endParaRPr lang="es-MX" dirty="0"/>
+          </a:p>
+          <a:p>
+            <a:pPr marL="0" lvl="0" indent="0" algn="l" rtl="0">
+              <a:spcBef>
+                <a:spcPts val="750"/>
+              </a:spcBef>
+              <a:spcAft>
+                <a:spcPts val="0"/>
+              </a:spcAft>
+              <a:buNone/>
+            </a:pPr>
+            <a:r>
+              <a:rPr lang="es-MX" b="1" dirty="0"/>
+              <a:t>Operadores relacionales básicos</a:t>
+            </a:r>
+          </a:p>
+        </p:txBody>
+      </p:sp>
+      <p:pic>
+        <p:nvPicPr>
+          <p:cNvPr id="2" name="Imagen 1">
+            <a:extLst>
+              <a:ext uri="{FF2B5EF4-FFF2-40B4-BE49-F238E27FC236}">
+                <a16:creationId xmlns:a16="http://schemas.microsoft.com/office/drawing/2014/main" id="{1D84856A-B0AE-4D78-A9E3-79AC0191D38F}"/>
+              </a:ext>
+            </a:extLst>
+          </p:cNvPr>
+          <p:cNvPicPr>
+            <a:picLocks noChangeAspect="1"/>
+          </p:cNvPicPr>
+          <p:nvPr/>
+        </p:nvPicPr>
+        <p:blipFill>
+          <a:blip r:embed="rId3"/>
+          <a:stretch>
+            <a:fillRect/>
+          </a:stretch>
+        </p:blipFill>
+        <p:spPr>
+          <a:xfrm>
+            <a:off x="724380" y="3891201"/>
+            <a:ext cx="8094896" cy="1738968"/>
+          </a:xfrm>
+          <a:prstGeom prst="rect">
+            <a:avLst/>
+          </a:prstGeom>
+        </p:spPr>
+      </p:pic>
+    </p:spTree>
+  </p:cSld>
+  <p:clrMapOvr>
+    <a:masterClrMapping/>
+  </p:clrMapOvr>
+</p:sld>
+</file>
+
+<file path=ppt/slides/slide5.xml><?xml version="1.0" encoding="utf-8"?>
+<p:sld xmlns:a="http://schemas.openxmlformats.org/drawingml/2006/main" xmlns:r="http://schemas.openxmlformats.org/officeDocument/2006/relationships" xmlns:p="http://schemas.openxmlformats.org/presentationml/2006/main">
+  <p:cSld>
+    <p:spTree>
+      <p:nvGrpSpPr>
+        <p:cNvPr id="1" name=""/>
+        <p:cNvGrpSpPr/>
+        <p:nvPr/>
+      </p:nvGrpSpPr>
+      <p:grpSpPr>
+        <a:xfrm>
+          <a:off x="0" y="0"/>
+          <a:ext cx="0" cy="0"/>
+          <a:chOff x="0" y="0"/>
+          <a:chExt cx="0" cy="0"/>
+        </a:xfrm>
+      </p:grpSpPr>
+      <p:sp>
+        <p:nvSpPr>
+          <p:cNvPr id="2" name="Título 1">
+            <a:extLst>
+              <a:ext uri="{FF2B5EF4-FFF2-40B4-BE49-F238E27FC236}">
+                <a16:creationId xmlns:a16="http://schemas.microsoft.com/office/drawing/2014/main" id="{3D675322-C5AC-4967-BC42-7F9F3D29912B}"/>
+              </a:ext>
+            </a:extLst>
+          </p:cNvPr>
+          <p:cNvSpPr>
+            <a:spLocks noGrp="1"/>
+          </p:cNvSpPr>
+          <p:nvPr>
+            <p:ph type="title"/>
+          </p:nvPr>
+        </p:nvSpPr>
+        <p:spPr>
+          <a:xfrm>
+            <a:off x="2458329" y="522514"/>
+            <a:ext cx="6246056" cy="616970"/>
+          </a:xfrm>
+        </p:spPr>
+        <p:txBody>
+          <a:bodyPr/>
+          <a:lstStyle/>
+          <a:p>
+            <a:r>
+              <a:rPr lang="es-MX" dirty="0"/>
+              <a:t>Operadores de comparación</a:t>
+            </a:r>
+          </a:p>
+        </p:txBody>
+      </p:sp>
+      <p:sp>
+        <p:nvSpPr>
+          <p:cNvPr id="3" name="Marcador de texto 2">
+            <a:extLst>
+              <a:ext uri="{FF2B5EF4-FFF2-40B4-BE49-F238E27FC236}">
+                <a16:creationId xmlns:a16="http://schemas.microsoft.com/office/drawing/2014/main" id="{7320FA11-600B-43D2-9D10-6F602FF8C428}"/>
+              </a:ext>
+            </a:extLst>
+          </p:cNvPr>
+          <p:cNvSpPr>
+            <a:spLocks noGrp="1"/>
+          </p:cNvSpPr>
+          <p:nvPr>
+            <p:ph type="body" idx="1"/>
+          </p:nvPr>
+        </p:nvSpPr>
+        <p:spPr/>
+        <p:txBody>
+          <a:bodyPr/>
+          <a:lstStyle/>
+          <a:p>
+            <a:r>
+              <a:rPr lang="es-MX" dirty="0"/>
+              <a:t>También conocidos como relacionales vinculan un campo con un valor para que Oracle compare cada registro con el valor dado.</a:t>
+            </a:r>
+          </a:p>
+          <a:p>
+            <a:endParaRPr lang="es-MX" dirty="0"/>
+          </a:p>
+        </p:txBody>
+      </p:sp>
+      <p:sp>
+        <p:nvSpPr>
+          <p:cNvPr id="7" name="Rectángulo 6">
+            <a:extLst>
+              <a:ext uri="{FF2B5EF4-FFF2-40B4-BE49-F238E27FC236}">
+                <a16:creationId xmlns:a16="http://schemas.microsoft.com/office/drawing/2014/main" id="{B7CA9F07-42BB-4C3D-8028-6CA010814184}"/>
+              </a:ext>
+            </a:extLst>
+          </p:cNvPr>
+          <p:cNvSpPr/>
+          <p:nvPr/>
+        </p:nvSpPr>
+        <p:spPr>
+          <a:xfrm>
+            <a:off x="2889331" y="3182576"/>
+            <a:ext cx="5384051" cy="2743828"/>
+          </a:xfrm>
+          <a:prstGeom prst="rect">
+            <a:avLst/>
+          </a:prstGeom>
+        </p:spPr>
+        <p:txBody>
+          <a:bodyPr wrap="square">
+            <a:spAutoFit/>
+          </a:bodyPr>
+          <a:lstStyle/>
+          <a:p>
+            <a:pPr marL="457200" lvl="0" indent="-228600">
+              <a:lnSpc>
+                <a:spcPct val="90000"/>
+              </a:lnSpc>
+              <a:spcBef>
+                <a:spcPts val="750"/>
+              </a:spcBef>
+              <a:buClr>
+                <a:srgbClr val="595959"/>
+              </a:buClr>
+              <a:buSzPts val="2100"/>
+            </a:pPr>
+            <a:r>
+              <a:rPr lang="es-MX" sz="2100" b="1" dirty="0">
+                <a:solidFill>
+                  <a:srgbClr val="595959"/>
+                </a:solidFill>
+                <a:latin typeface="Century Gothic"/>
+                <a:sym typeface="Century Gothic"/>
+              </a:rPr>
+              <a:t>Operador</a:t>
             </a:r>
             <a:r>
-              <a:rPr lang="es-MX" b="1" dirty="0"/>
-              <a:t>introducir </a:t>
+              <a:rPr lang="es-MX" sz="2100" dirty="0">
+                <a:solidFill>
+                  <a:srgbClr val="595959"/>
+                </a:solidFill>
+                <a:latin typeface="Century Gothic"/>
+                <a:sym typeface="Century Gothic"/>
+              </a:rPr>
+              <a:t>		</a:t>
             </a:r>
             <a:r>
-              <a:rPr lang="es-MX" dirty="0"/>
-              <a:t>datos para posteriormente realizar tareas de </a:t>
+              <a:rPr lang="es-MX" sz="2100" b="1" dirty="0">
+                <a:solidFill>
+                  <a:srgbClr val="595959"/>
+                </a:solidFill>
+                <a:latin typeface="Century Gothic"/>
+                <a:sym typeface="Century Gothic"/>
+              </a:rPr>
+              <a:t>Significado</a:t>
             </a:r>
+          </a:p>
+          <a:p>
+            <a:pPr marL="457200" lvl="0" indent="-228600">
+              <a:lnSpc>
+                <a:spcPct val="90000"/>
+              </a:lnSpc>
+              <a:spcBef>
+                <a:spcPts val="750"/>
+              </a:spcBef>
+              <a:buClr>
+                <a:srgbClr val="595959"/>
+              </a:buClr>
+              <a:buSzPts val="2100"/>
+            </a:pPr>
             <a:r>
-              <a:rPr lang="es-MX" b="1" dirty="0"/>
-              <a:t>consultas </a:t>
+              <a:rPr lang="es-MX" sz="2100" dirty="0">
+                <a:solidFill>
+                  <a:srgbClr val="595959"/>
+                </a:solidFill>
+                <a:latin typeface="Century Gothic"/>
+                <a:sym typeface="Century Gothic"/>
+              </a:rPr>
+              <a:t>       =                             Igual</a:t>
             </a:r>
+          </a:p>
+          <a:p>
+            <a:pPr marL="457200" lvl="0" indent="-228600">
+              <a:lnSpc>
+                <a:spcPct val="90000"/>
+              </a:lnSpc>
+              <a:spcBef>
+                <a:spcPts val="750"/>
+              </a:spcBef>
+              <a:buClr>
+                <a:srgbClr val="595959"/>
+              </a:buClr>
+              <a:buSzPts val="2100"/>
+            </a:pPr>
             <a:r>
-              <a:rPr lang="es-MX" dirty="0"/>
-              <a:t>o </a:t>
+              <a:rPr lang="es-MX" sz="2100" dirty="0">
+                <a:solidFill>
+                  <a:srgbClr val="595959"/>
+                </a:solidFill>
+                <a:latin typeface="Century Gothic"/>
+                <a:sym typeface="Century Gothic"/>
+              </a:rPr>
+              <a:t>    &lt;&gt;, !=                       Distinto</a:t>
             </a:r>
+          </a:p>
+          <a:p>
+            <a:pPr marL="457200" lvl="0" indent="-228600">
+              <a:lnSpc>
+                <a:spcPct val="90000"/>
+              </a:lnSpc>
+              <a:spcBef>
+                <a:spcPts val="750"/>
+              </a:spcBef>
+              <a:buClr>
+                <a:srgbClr val="595959"/>
+              </a:buClr>
+              <a:buSzPts val="2100"/>
+            </a:pPr>
             <a:r>
-              <a:rPr lang="es-MX" b="1" dirty="0"/>
-              <a:t>modificación </a:t>
+              <a:rPr lang="es-MX" sz="2100" dirty="0">
+                <a:solidFill>
+                  <a:srgbClr val="595959"/>
+                </a:solidFill>
+                <a:latin typeface="Century Gothic"/>
+                <a:sym typeface="Century Gothic"/>
+              </a:rPr>
+              <a:t>       &gt;                            Mayor</a:t>
             </a:r>
+          </a:p>
+          <a:p>
+            <a:pPr marL="457200" lvl="0" indent="-228600">
+              <a:lnSpc>
+                <a:spcPct val="90000"/>
+              </a:lnSpc>
+              <a:spcBef>
+                <a:spcPts val="750"/>
+              </a:spcBef>
+              <a:buClr>
+                <a:srgbClr val="595959"/>
+              </a:buClr>
+              <a:buSzPts val="2100"/>
+            </a:pPr>
             <a:r>
-              <a:rPr lang="es-MX" dirty="0"/>
-              <a:t>de los datos que contienen las Bases de Datos.</a:t>
+              <a:rPr lang="es-MX" sz="2100" dirty="0">
+                <a:solidFill>
+                  <a:srgbClr val="595959"/>
+                </a:solidFill>
+                <a:latin typeface="Century Gothic"/>
+                <a:sym typeface="Century Gothic"/>
+              </a:rPr>
+              <a:t>	    &lt;                            Menor</a:t>
+            </a:r>
+          </a:p>
+          <a:p>
+            <a:pPr marL="457200" lvl="0" indent="-228600">
+              <a:lnSpc>
+                <a:spcPct val="90000"/>
+              </a:lnSpc>
+              <a:spcBef>
+                <a:spcPts val="750"/>
+              </a:spcBef>
+              <a:buClr>
+                <a:srgbClr val="595959"/>
+              </a:buClr>
+              <a:buSzPts val="2100"/>
+            </a:pPr>
+            <a:r>
+              <a:rPr lang="es-MX" sz="2100" dirty="0">
+                <a:solidFill>
+                  <a:srgbClr val="595959"/>
+                </a:solidFill>
+                <a:latin typeface="Century Gothic"/>
+                <a:sym typeface="Century Gothic"/>
+              </a:rPr>
+              <a:t>       &gt;=                      Mayor o igual</a:t>
+            </a:r>
+          </a:p>
+          <a:p>
+            <a:pPr marL="457200" lvl="0" indent="-228600">
+              <a:lnSpc>
+                <a:spcPct val="90000"/>
+              </a:lnSpc>
+              <a:spcBef>
+                <a:spcPts val="750"/>
+              </a:spcBef>
+              <a:buClr>
+                <a:srgbClr val="595959"/>
+              </a:buClr>
+              <a:buSzPts val="2100"/>
+            </a:pPr>
+            <a:r>
+              <a:rPr lang="es-MX" sz="2100" dirty="0">
+                <a:solidFill>
+                  <a:srgbClr val="595959"/>
+                </a:solidFill>
+                <a:latin typeface="Century Gothic"/>
+                <a:sym typeface="Century Gothic"/>
+              </a:rPr>
+              <a:t>       &lt;=                      Menor o igual</a:t>
             </a:r>
           </a:p>
         </p:txBody>
       </p:sp>
     </p:spTree>
+    <p:extLst>
+      <p:ext uri="{BB962C8B-B14F-4D97-AF65-F5344CB8AC3E}">
+        <p14:creationId xmlns:p14="http://schemas.microsoft.com/office/powerpoint/2010/main" val="1959161496"/>
+      </p:ext>
+    </p:extLst>
+  </p:cSld>
+  <p:clrMapOvr>
+    <a:masterClrMapping/>
+  </p:clrMapOvr>
+</p:sld>
+</file>
+
+<file path=ppt/slides/slide6.xml><?xml version="1.0" encoding="utf-8"?>
+<p:sld xmlns:a="http://schemas.openxmlformats.org/drawingml/2006/main" xmlns:r="http://schemas.openxmlformats.org/officeDocument/2006/relationships" xmlns:p="http://schemas.openxmlformats.org/presentationml/2006/main">
+  <p:cSld>
+    <p:spTree>
+      <p:nvGrpSpPr>
+        <p:cNvPr id="1" name=""/>
+        <p:cNvGrpSpPr/>
+        <p:nvPr/>
+      </p:nvGrpSpPr>
+      <p:grpSpPr>
+        <a:xfrm>
+          <a:off x="0" y="0"/>
+          <a:ext cx="0" cy="0"/>
+          <a:chOff x="0" y="0"/>
+          <a:chExt cx="0" cy="0"/>
+        </a:xfrm>
+      </p:grpSpPr>
+      <p:sp>
+        <p:nvSpPr>
+          <p:cNvPr id="2" name="Título 1">
+            <a:extLst>
+              <a:ext uri="{FF2B5EF4-FFF2-40B4-BE49-F238E27FC236}">
+                <a16:creationId xmlns:a16="http://schemas.microsoft.com/office/drawing/2014/main" id="{1F9DE0F8-D50B-4AC7-9162-E6DAD0F2D86F}"/>
+              </a:ext>
+            </a:extLst>
+          </p:cNvPr>
+          <p:cNvSpPr>
+            <a:spLocks noGrp="1"/>
+          </p:cNvSpPr>
+          <p:nvPr>
+            <p:ph type="title"/>
+          </p:nvPr>
+        </p:nvSpPr>
+        <p:spPr>
+          <a:xfrm>
+            <a:off x="2458329" y="517849"/>
+            <a:ext cx="6246056" cy="621635"/>
+          </a:xfrm>
+        </p:spPr>
+        <p:txBody>
+          <a:bodyPr/>
+          <a:lstStyle/>
+          <a:p>
+            <a:pPr algn="r"/>
+            <a:r>
+              <a:rPr lang="es-MX" dirty="0"/>
+              <a:t>Operadores Lógicos</a:t>
+            </a:r>
+          </a:p>
+        </p:txBody>
+      </p:sp>
+      <p:sp>
+        <p:nvSpPr>
+          <p:cNvPr id="3" name="Marcador de texto 2">
+            <a:extLst>
+              <a:ext uri="{FF2B5EF4-FFF2-40B4-BE49-F238E27FC236}">
+                <a16:creationId xmlns:a16="http://schemas.microsoft.com/office/drawing/2014/main" id="{92A042C2-BCA8-48E3-B3CB-AEF20B25D316}"/>
+              </a:ext>
+            </a:extLst>
+          </p:cNvPr>
+          <p:cNvSpPr>
+            <a:spLocks noGrp="1"/>
+          </p:cNvSpPr>
+          <p:nvPr>
+            <p:ph type="body" idx="1"/>
+          </p:nvPr>
+        </p:nvSpPr>
+        <p:spPr/>
+        <p:txBody>
+          <a:bodyPr/>
+          <a:lstStyle/>
+          <a:p>
+            <a:r>
+              <a:rPr lang="es-MX" dirty="0"/>
+              <a:t>Los operadores lógicos soportados por SQL son los siguientes:</a:t>
+            </a:r>
+          </a:p>
+          <a:p>
+            <a:endParaRPr lang="es-MX" dirty="0"/>
+          </a:p>
+          <a:p>
+            <a:pPr marL="571500" indent="-342900">
+              <a:buFont typeface="Arial" panose="020B0604020202020204" pitchFamily="34" charset="0"/>
+              <a:buChar char="•"/>
+            </a:pPr>
+            <a:r>
+              <a:rPr lang="es-MX" dirty="0"/>
+              <a:t>AND</a:t>
+            </a:r>
+          </a:p>
+          <a:p>
+            <a:pPr marL="571500" indent="-342900">
+              <a:buFont typeface="Arial" panose="020B0604020202020204" pitchFamily="34" charset="0"/>
+              <a:buChar char="•"/>
+            </a:pPr>
+            <a:r>
+              <a:rPr lang="es-MX" dirty="0"/>
+              <a:t>OR</a:t>
+            </a:r>
+          </a:p>
+          <a:p>
+            <a:pPr marL="571500" indent="-342900">
+              <a:buFont typeface="Arial" panose="020B0604020202020204" pitchFamily="34" charset="0"/>
+              <a:buChar char="•"/>
+            </a:pPr>
+            <a:r>
+              <a:rPr lang="es-MX" dirty="0"/>
+              <a:t>NOT</a:t>
+            </a:r>
+          </a:p>
+          <a:p>
+            <a:pPr marL="571500" indent="-342900">
+              <a:buFont typeface="Arial" panose="020B0604020202020204" pitchFamily="34" charset="0"/>
+              <a:buChar char="•"/>
+            </a:pPr>
+            <a:endParaRPr lang="es-MX" dirty="0"/>
+          </a:p>
+          <a:p>
+            <a:pPr marL="228600" indent="0"/>
+            <a:r>
+              <a:rPr lang="es-MX" dirty="0" err="1"/>
+              <a:t>Sintáxis</a:t>
+            </a:r>
+            <a:r>
+              <a:rPr lang="es-MX" dirty="0"/>
+              <a:t>:</a:t>
+            </a:r>
+          </a:p>
+          <a:p>
+            <a:pPr marL="228600" indent="0"/>
+            <a:r>
+              <a:rPr lang="es-MX" dirty="0">
+                <a:latin typeface="Hasklig" panose="020B0509030403020204" pitchFamily="49" charset="0"/>
+                <a:ea typeface="Hasklig" panose="020B0509030403020204" pitchFamily="49" charset="0"/>
+              </a:rPr>
+              <a:t>&lt;expresión 1&gt; operador &lt;expresión 2&gt;</a:t>
+            </a:r>
+          </a:p>
+        </p:txBody>
+      </p:sp>
+    </p:spTree>
+    <p:extLst>
+      <p:ext uri="{BB962C8B-B14F-4D97-AF65-F5344CB8AC3E}">
+        <p14:creationId xmlns:p14="http://schemas.microsoft.com/office/powerpoint/2010/main" val="4209847437"/>
+      </p:ext>
+    </p:extLst>
+  </p:cSld>
+  <p:clrMapOvr>
+    <a:masterClrMapping/>
+  </p:clrMapOvr>
+</p:sld>
+</file>
+
+<file path=ppt/slides/slide7.xml><?xml version="1.0" encoding="utf-8"?>
+<p:sld xmlns:a="http://schemas.openxmlformats.org/drawingml/2006/main" xmlns:r="http://schemas.openxmlformats.org/officeDocument/2006/relationships" xmlns:p="http://schemas.openxmlformats.org/presentationml/2006/main">
+  <p:cSld>
+    <p:spTree>
+      <p:nvGrpSpPr>
+        <p:cNvPr id="1" name=""/>
+        <p:cNvGrpSpPr/>
+        <p:nvPr/>
+      </p:nvGrpSpPr>
+      <p:grpSpPr>
+        <a:xfrm>
+          <a:off x="0" y="0"/>
+          <a:ext cx="0" cy="0"/>
+          <a:chOff x="0" y="0"/>
+          <a:chExt cx="0" cy="0"/>
+        </a:xfrm>
+      </p:grpSpPr>
+      <p:sp>
+        <p:nvSpPr>
+          <p:cNvPr id="2" name="Título 1">
+            <a:extLst>
+              <a:ext uri="{FF2B5EF4-FFF2-40B4-BE49-F238E27FC236}">
+                <a16:creationId xmlns:a16="http://schemas.microsoft.com/office/drawing/2014/main" id="{381C558F-8EC2-4FB4-9BF6-D5FBDCA00B80}"/>
+              </a:ext>
+            </a:extLst>
+          </p:cNvPr>
+          <p:cNvSpPr>
+            <a:spLocks noGrp="1"/>
+          </p:cNvSpPr>
+          <p:nvPr>
+            <p:ph type="title"/>
+          </p:nvPr>
+        </p:nvSpPr>
+        <p:spPr>
+          <a:xfrm>
+            <a:off x="3475653" y="522514"/>
+            <a:ext cx="5228732" cy="616970"/>
+          </a:xfrm>
+        </p:spPr>
+        <p:txBody>
+          <a:bodyPr/>
+          <a:lstStyle/>
+          <a:p>
+            <a:r>
+              <a:rPr lang="es-MX" dirty="0"/>
+              <a:t>Operadores aritméticos</a:t>
+            </a:r>
+          </a:p>
+        </p:txBody>
+      </p:sp>
+      <p:sp>
+        <p:nvSpPr>
+          <p:cNvPr id="3" name="Marcador de texto 2">
+            <a:extLst>
+              <a:ext uri="{FF2B5EF4-FFF2-40B4-BE49-F238E27FC236}">
+                <a16:creationId xmlns:a16="http://schemas.microsoft.com/office/drawing/2014/main" id="{26B5260C-9CA1-4D39-99C4-F4E0477DD688}"/>
+              </a:ext>
+            </a:extLst>
+          </p:cNvPr>
+          <p:cNvSpPr>
+            <a:spLocks noGrp="1"/>
+          </p:cNvSpPr>
+          <p:nvPr>
+            <p:ph type="body" idx="1"/>
+          </p:nvPr>
+        </p:nvSpPr>
+        <p:spPr/>
+        <p:txBody>
+          <a:bodyPr/>
+          <a:lstStyle/>
+          <a:p>
+            <a:r>
+              <a:rPr lang="es-MX" dirty="0"/>
+              <a:t>Los operadores aritméticos por defecto en Oracle son:</a:t>
+            </a:r>
+          </a:p>
+          <a:p>
+            <a:endParaRPr lang="es-MX" dirty="0"/>
+          </a:p>
+          <a:p>
+            <a:r>
+              <a:rPr lang="es-MX" dirty="0"/>
+              <a:t>Suma: +</a:t>
+            </a:r>
+          </a:p>
+          <a:p>
+            <a:r>
+              <a:rPr lang="es-MX" dirty="0"/>
+              <a:t>Resta: -</a:t>
+            </a:r>
+          </a:p>
+          <a:p>
+            <a:r>
+              <a:rPr lang="es-MX" dirty="0"/>
+              <a:t>Multiplicación: *</a:t>
+            </a:r>
+          </a:p>
+          <a:p>
+            <a:r>
+              <a:rPr lang="es-MX" dirty="0"/>
+              <a:t>División: /</a:t>
+            </a:r>
+          </a:p>
+          <a:p>
+            <a:r>
+              <a:rPr lang="es-MX" dirty="0"/>
+              <a:t>Módulo: %</a:t>
+            </a:r>
+          </a:p>
+        </p:txBody>
+      </p:sp>
+    </p:spTree>
+    <p:extLst>
+      <p:ext uri="{BB962C8B-B14F-4D97-AF65-F5344CB8AC3E}">
+        <p14:creationId xmlns:p14="http://schemas.microsoft.com/office/powerpoint/2010/main" val="261930255"/>
+      </p:ext>
+    </p:extLst>
+  </p:cSld>
+  <p:clrMapOvr>
+    <a:masterClrMapping/>
+  </p:clrMapOvr>
+</p:sld>
+</file>
+
+<file path=ppt/slides/slide8.xml><?xml version="1.0" encoding="utf-8"?>
+<p:sld xmlns:a="http://schemas.openxmlformats.org/drawingml/2006/main" xmlns:r="http://schemas.openxmlformats.org/officeDocument/2006/relationships" xmlns:p="http://schemas.openxmlformats.org/presentationml/2006/main">
+  <p:cSld>
+    <p:spTree>
+      <p:nvGrpSpPr>
+        <p:cNvPr id="1" name=""/>
+        <p:cNvGrpSpPr/>
+        <p:nvPr/>
+      </p:nvGrpSpPr>
+      <p:grpSpPr>
+        <a:xfrm>
+          <a:off x="0" y="0"/>
+          <a:ext cx="0" cy="0"/>
+          <a:chOff x="0" y="0"/>
+          <a:chExt cx="0" cy="0"/>
+        </a:xfrm>
+      </p:grpSpPr>
+      <p:sp>
+        <p:nvSpPr>
+          <p:cNvPr id="2" name="Título 1">
+            <a:extLst>
+              <a:ext uri="{FF2B5EF4-FFF2-40B4-BE49-F238E27FC236}">
+                <a16:creationId xmlns:a16="http://schemas.microsoft.com/office/drawing/2014/main" id="{2F3F2989-AEEA-4E4D-86FF-6192CDB2779C}"/>
+              </a:ext>
+            </a:extLst>
+          </p:cNvPr>
+          <p:cNvSpPr>
+            <a:spLocks noGrp="1"/>
+          </p:cNvSpPr>
+          <p:nvPr>
+            <p:ph type="title"/>
+          </p:nvPr>
+        </p:nvSpPr>
+        <p:spPr>
+          <a:xfrm>
+            <a:off x="4847253" y="527180"/>
+            <a:ext cx="3857132" cy="612304"/>
+          </a:xfrm>
+        </p:spPr>
+        <p:txBody>
+          <a:bodyPr/>
+          <a:lstStyle/>
+          <a:p>
+            <a:r>
+              <a:rPr lang="es-MX" dirty="0"/>
+              <a:t>Otros operadores </a:t>
+            </a:r>
+          </a:p>
+        </p:txBody>
+      </p:sp>
+      <p:pic>
+        <p:nvPicPr>
+          <p:cNvPr id="4" name="Imagen 3">
+            <a:extLst>
+              <a:ext uri="{FF2B5EF4-FFF2-40B4-BE49-F238E27FC236}">
+                <a16:creationId xmlns:a16="http://schemas.microsoft.com/office/drawing/2014/main" id="{F0BDAEA9-9BDE-4D73-8C54-D89120EAD80D}"/>
+              </a:ext>
+            </a:extLst>
+          </p:cNvPr>
+          <p:cNvPicPr>
+            <a:picLocks noChangeAspect="1"/>
+          </p:cNvPicPr>
+          <p:nvPr/>
+        </p:nvPicPr>
+        <p:blipFill>
+          <a:blip r:embed="rId2"/>
+          <a:stretch>
+            <a:fillRect/>
+          </a:stretch>
+        </p:blipFill>
+        <p:spPr>
+          <a:xfrm>
+            <a:off x="1307064" y="1507767"/>
+            <a:ext cx="7466988" cy="2597702"/>
+          </a:xfrm>
+          <a:prstGeom prst="rect">
+            <a:avLst/>
+          </a:prstGeom>
+        </p:spPr>
+      </p:pic>
+      <p:pic>
+        <p:nvPicPr>
+          <p:cNvPr id="5" name="Imagen 4">
+            <a:extLst>
+              <a:ext uri="{FF2B5EF4-FFF2-40B4-BE49-F238E27FC236}">
+                <a16:creationId xmlns:a16="http://schemas.microsoft.com/office/drawing/2014/main" id="{7C234787-0AAC-4D5C-8B9B-FBA98C0293BB}"/>
+              </a:ext>
+            </a:extLst>
+          </p:cNvPr>
+          <p:cNvPicPr>
+            <a:picLocks noChangeAspect="1"/>
+          </p:cNvPicPr>
+          <p:nvPr/>
+        </p:nvPicPr>
+        <p:blipFill rotWithShape="1">
+          <a:blip r:embed="rId3"/>
+          <a:srcRect l="1247" b="14235"/>
+          <a:stretch/>
+        </p:blipFill>
+        <p:spPr>
+          <a:xfrm>
+            <a:off x="1259802" y="5011704"/>
+            <a:ext cx="7444583" cy="810597"/>
+          </a:xfrm>
+          <a:prstGeom prst="rect">
+            <a:avLst/>
+          </a:prstGeom>
+        </p:spPr>
+      </p:pic>
+      <p:sp>
+        <p:nvSpPr>
+          <p:cNvPr id="6" name="Marcador de texto 2">
+            <a:extLst>
+              <a:ext uri="{FF2B5EF4-FFF2-40B4-BE49-F238E27FC236}">
+                <a16:creationId xmlns:a16="http://schemas.microsoft.com/office/drawing/2014/main" id="{FE47705D-4692-41E9-A25B-A577172DF908}"/>
+              </a:ext>
+            </a:extLst>
+          </p:cNvPr>
+          <p:cNvSpPr>
+            <a:spLocks noGrp="1"/>
+          </p:cNvSpPr>
+          <p:nvPr>
+            <p:ph type="body" idx="1"/>
+          </p:nvPr>
+        </p:nvSpPr>
+        <p:spPr>
+          <a:xfrm>
+            <a:off x="1259802" y="4422710"/>
+            <a:ext cx="6773593" cy="732454"/>
+          </a:xfrm>
+        </p:spPr>
+        <p:txBody>
+          <a:bodyPr/>
+          <a:lstStyle/>
+          <a:p>
+            <a:r>
+              <a:rPr lang="es-MX" dirty="0"/>
+              <a:t>Uso de </a:t>
+            </a:r>
+            <a:r>
+              <a:rPr lang="es-MX" b="1" dirty="0"/>
+              <a:t>LIKE</a:t>
+            </a:r>
+          </a:p>
+        </p:txBody>
+      </p:sp>
+    </p:spTree>
+    <p:extLst>
+      <p:ext uri="{BB962C8B-B14F-4D97-AF65-F5344CB8AC3E}">
+        <p14:creationId xmlns:p14="http://schemas.microsoft.com/office/powerpoint/2010/main" val="1453734075"/>
+      </p:ext>
+    </p:extLst>
   </p:cSld>
   <p:clrMapOvr>
     <a:masterClrMapping/>
